--- a/Complimentary Course Content/Module2/Lessons/Module2_Lesson7 Deploying Node.js Web Applications to Azure.pptx
+++ b/Complimentary Course Content/Module2/Lessons/Module2_Lesson7 Deploying Node.js Web Applications to Azure.pptx
@@ -177,7 +177,7 @@
       </p14:sectionLst>
     </p:ext>
     <p:ext uri="{EFAFB233-063F-42B5-8137-9DF3F51BA10A}">
-      <p15:sldGuideLst xmlns:p15="http://schemas.microsoft.com/office/powerpoint/2012/main" xmlns="">
+      <p15:sldGuideLst xmlns="" xmlns:p15="http://schemas.microsoft.com/office/powerpoint/2012/main">
         <p15:guide id="1" orient="horz" pos="3952" userDrawn="1">
           <p15:clr>
             <a:srgbClr val="A4A3A4"/>
@@ -293,7 +293,7 @@
             <a:fld id="{2E5CA586-3557-4985-BCD4-35EF5AC8B4A4}" type="datetimeFigureOut">
               <a:rPr lang="en-US" smtClean="0"/>
               <a:pPr/>
-              <a:t>6/23/16</a:t>
+              <a:t>7/1/16</a:t>
             </a:fld>
             <a:endParaRPr lang="en-US"/>
           </a:p>
@@ -3406,15 +3406,7 @@
             </a:r>
             <a:r>
               <a:rPr lang="en-US" b="0" baseline="0" dirty="0" smtClean="0"/>
-              <a:t> Module 2 </a:t>
-            </a:r>
-            <a:r>
-              <a:rPr lang="en-US" b="0" baseline="0" smtClean="0"/>
-              <a:t>Lesson 7 </a:t>
-            </a:r>
-            <a:r>
-              <a:rPr lang="en-US" b="0" baseline="0" dirty="0" smtClean="0"/>
-              <a:t>Lab should be competed at this time</a:t>
+              <a:t> Module 2 Lesson 7 Lab should be competed at this time</a:t>
             </a:r>
           </a:p>
           <a:p>
@@ -3447,11 +3439,9 @@
               <a:t>computerscience</a:t>
             </a:r>
             <a:r>
-              <a:rPr lang="en-US" b="0" baseline="0" dirty="0" smtClean="0"/>
-              <a:t>/tree/master/Instructor-Led/Module2/Labs</a:t>
-            </a:r>
-          </a:p>
-          <a:p>
+              <a:rPr lang="en-US" b="0" baseline="0" smtClean="0"/>
+              <a:t>/blob/master/Complimentary%20Course%20Content/Module2/Labs/Module%202%20Lesson%207%20Lab.docx</a:t>
+            </a:r>
             <a:endParaRPr lang="en-US" dirty="0"/>
           </a:p>
         </p:txBody>
@@ -9058,7 +9048,7 @@
                 <a:latin typeface="Segoe UI"/>
               </a:rPr>
               <a:pPr/>
-              <a:t>6/23/16</a:t>
+              <a:t>7/1/16</a:t>
             </a:fld>
             <a:endParaRPr lang="en-US">
               <a:solidFill>
@@ -27425,7 +27415,7 @@
                 <a:latin typeface="Segoe UI"/>
               </a:rPr>
               <a:pPr/>
-              <a:t>6/23/16</a:t>
+              <a:t>7/1/16</a:t>
             </a:fld>
             <a:endParaRPr lang="en-US">
               <a:solidFill>
@@ -27630,7 +27620,7 @@
                 <a:latin typeface="Segoe UI"/>
               </a:rPr>
               <a:pPr/>
-              <a:t>6/23/16</a:t>
+              <a:t>7/1/16</a:t>
             </a:fld>
             <a:endParaRPr lang="en-US">
               <a:solidFill>
@@ -27928,7 +27918,7 @@
                 <a:latin typeface="Segoe UI"/>
               </a:rPr>
               <a:pPr/>
-              <a:t>6/23/16</a:t>
+              <a:t>7/1/16</a:t>
             </a:fld>
             <a:endParaRPr lang="en-US">
               <a:solidFill>
@@ -28272,7 +28262,7 @@
                 <a:latin typeface="Segoe UI"/>
               </a:rPr>
               <a:pPr/>
-              <a:t>6/23/16</a:t>
+              <a:t>7/1/16</a:t>
             </a:fld>
             <a:endParaRPr lang="en-US">
               <a:solidFill>
@@ -28647,7 +28637,7 @@
                 <a:latin typeface="Segoe UI"/>
               </a:rPr>
               <a:pPr/>
-              <a:t>6/23/16</a:t>
+              <a:t>7/1/16</a:t>
             </a:fld>
             <a:endParaRPr lang="en-US">
               <a:solidFill>
@@ -30154,7 +30144,7 @@
                 <a:latin typeface="Segoe UI"/>
               </a:rPr>
               <a:pPr/>
-              <a:t>6/23/16</a:t>
+              <a:t>7/1/16</a:t>
             </a:fld>
             <a:endParaRPr lang="en-US">
               <a:solidFill>
@@ -30555,7 +30545,7 @@
                 <a:latin typeface="Segoe UI"/>
               </a:rPr>
               <a:pPr/>
-              <a:t>6/23/16</a:t>
+              <a:t>7/1/16</a:t>
             </a:fld>
             <a:endParaRPr lang="en-US">
               <a:solidFill>
@@ -30709,7 +30699,7 @@
                 <a:latin typeface="Segoe UI"/>
               </a:rPr>
               <a:pPr/>
-              <a:t>6/23/16</a:t>
+              <a:t>7/1/16</a:t>
             </a:fld>
             <a:endParaRPr lang="en-US">
               <a:solidFill>
@@ -30841,7 +30831,7 @@
                 <a:latin typeface="Segoe UI"/>
               </a:rPr>
               <a:pPr/>
-              <a:t>6/23/16</a:t>
+              <a:t>7/1/16</a:t>
             </a:fld>
             <a:endParaRPr lang="en-US">
               <a:solidFill>
@@ -31153,7 +31143,7 @@
                 <a:latin typeface="Segoe UI"/>
               </a:rPr>
               <a:pPr/>
-              <a:t>6/23/16</a:t>
+              <a:t>7/1/16</a:t>
             </a:fld>
             <a:endParaRPr lang="en-US">
               <a:solidFill>
@@ -31442,7 +31432,7 @@
                 <a:latin typeface="Segoe UI"/>
               </a:rPr>
               <a:pPr/>
-              <a:t>6/23/16</a:t>
+              <a:t>7/1/16</a:t>
             </a:fld>
             <a:endParaRPr lang="en-US">
               <a:solidFill>
@@ -31647,7 +31637,7 @@
                 <a:latin typeface="Segoe UI"/>
               </a:rPr>
               <a:pPr/>
-              <a:t>6/23/16</a:t>
+              <a:t>7/1/16</a:t>
             </a:fld>
             <a:endParaRPr lang="en-US">
               <a:solidFill>
@@ -31862,7 +31852,7 @@
                 <a:latin typeface="Segoe UI"/>
               </a:rPr>
               <a:pPr/>
-              <a:t>6/23/16</a:t>
+              <a:t>7/1/16</a:t>
             </a:fld>
             <a:endParaRPr lang="en-US">
               <a:solidFill>
@@ -32107,7 +32097,7 @@
                 <a:latin typeface="Segoe UI"/>
               </a:rPr>
               <a:pPr/>
-              <a:t>6/23/16</a:t>
+              <a:t>7/1/16</a:t>
             </a:fld>
             <a:endParaRPr lang="en-US">
               <a:solidFill>
@@ -32414,7 +32404,7 @@
                 <a:latin typeface="Segoe UI"/>
               </a:rPr>
               <a:pPr/>
-              <a:t>6/23/16</a:t>
+              <a:t>7/1/16</a:t>
             </a:fld>
             <a:endParaRPr lang="en-US">
               <a:solidFill>
@@ -32714,7 +32704,7 @@
                 <a:latin typeface="Segoe UI"/>
               </a:rPr>
               <a:pPr/>
-              <a:t>6/23/16</a:t>
+              <a:t>7/1/16</a:t>
             </a:fld>
             <a:endParaRPr lang="en-US">
               <a:solidFill>
@@ -32988,7 +32978,7 @@
                 <a:latin typeface="Segoe UI"/>
               </a:rPr>
               <a:pPr/>
-              <a:t>6/23/16</a:t>
+              <a:t>7/1/16</a:t>
             </a:fld>
             <a:endParaRPr lang="en-US">
               <a:solidFill>
@@ -33389,7 +33379,7 @@
                 <a:latin typeface="Segoe UI"/>
               </a:rPr>
               <a:pPr/>
-              <a:t>6/23/16</a:t>
+              <a:t>7/1/16</a:t>
             </a:fld>
             <a:endParaRPr lang="en-US">
               <a:solidFill>
@@ -33543,7 +33533,7 @@
                 <a:latin typeface="Segoe UI"/>
               </a:rPr>
               <a:pPr/>
-              <a:t>6/23/16</a:t>
+              <a:t>7/1/16</a:t>
             </a:fld>
             <a:endParaRPr lang="en-US">
               <a:solidFill>
@@ -33675,7 +33665,7 @@
                 <a:latin typeface="Segoe UI"/>
               </a:rPr>
               <a:pPr/>
-              <a:t>6/23/16</a:t>
+              <a:t>7/1/16</a:t>
             </a:fld>
             <a:endParaRPr lang="en-US">
               <a:solidFill>
@@ -33987,7 +33977,7 @@
                 <a:latin typeface="Segoe UI"/>
               </a:rPr>
               <a:pPr/>
-              <a:t>6/23/16</a:t>
+              <a:t>7/1/16</a:t>
             </a:fld>
             <a:endParaRPr lang="en-US">
               <a:solidFill>
@@ -34276,7 +34266,7 @@
                 <a:latin typeface="Segoe UI"/>
               </a:rPr>
               <a:pPr/>
-              <a:t>6/23/16</a:t>
+              <a:t>7/1/16</a:t>
             </a:fld>
             <a:endParaRPr lang="en-US">
               <a:solidFill>
@@ -34481,7 +34471,7 @@
                 <a:latin typeface="Segoe UI"/>
               </a:rPr>
               <a:pPr/>
-              <a:t>6/23/16</a:t>
+              <a:t>7/1/16</a:t>
             </a:fld>
             <a:endParaRPr lang="en-US">
               <a:solidFill>
@@ -34696,7 +34686,7 @@
                 <a:latin typeface="Segoe UI"/>
               </a:rPr>
               <a:pPr/>
-              <a:t>6/23/16</a:t>
+              <a:t>7/1/16</a:t>
             </a:fld>
             <a:endParaRPr lang="en-US">
               <a:solidFill>
@@ -35011,7 +35001,7 @@
                 <a:latin typeface="Segoe UI"/>
               </a:rPr>
               <a:pPr/>
-              <a:t>6/23/16</a:t>
+              <a:t>7/1/16</a:t>
             </a:fld>
             <a:endParaRPr lang="en-US">
               <a:solidFill>
@@ -35216,7 +35206,7 @@
                 <a:latin typeface="Segoe UI"/>
               </a:rPr>
               <a:pPr/>
-              <a:t>6/23/16</a:t>
+              <a:t>7/1/16</a:t>
             </a:fld>
             <a:endParaRPr lang="en-US">
               <a:solidFill>
@@ -35514,7 +35504,7 @@
                 <a:latin typeface="Segoe UI"/>
               </a:rPr>
               <a:pPr/>
-              <a:t>6/23/16</a:t>
+              <a:t>7/1/16</a:t>
             </a:fld>
             <a:endParaRPr lang="en-US">
               <a:solidFill>
@@ -35858,7 +35848,7 @@
                 <a:latin typeface="Segoe UI"/>
               </a:rPr>
               <a:pPr/>
-              <a:t>6/23/16</a:t>
+              <a:t>7/1/16</a:t>
             </a:fld>
             <a:endParaRPr lang="en-US">
               <a:solidFill>
@@ -36233,7 +36223,7 @@
                 <a:latin typeface="Segoe UI"/>
               </a:rPr>
               <a:pPr/>
-              <a:t>6/23/16</a:t>
+              <a:t>7/1/16</a:t>
             </a:fld>
             <a:endParaRPr lang="en-US">
               <a:solidFill>
@@ -37177,7 +37167,7 @@
                 <a:latin typeface="Segoe UI"/>
               </a:rPr>
               <a:pPr/>
-              <a:t>6/23/16</a:t>
+              <a:t>7/1/16</a:t>
             </a:fld>
             <a:endParaRPr lang="en-US">
               <a:solidFill>
@@ -37578,7 +37568,7 @@
                 <a:latin typeface="Segoe UI"/>
               </a:rPr>
               <a:pPr/>
-              <a:t>6/23/16</a:t>
+              <a:t>7/1/16</a:t>
             </a:fld>
             <a:endParaRPr lang="en-US">
               <a:solidFill>
@@ -37765,7 +37755,7 @@
                 <a:latin typeface="Segoe UI"/>
               </a:rPr>
               <a:pPr/>
-              <a:t>6/23/16</a:t>
+              <a:t>7/1/16</a:t>
             </a:fld>
             <a:endParaRPr lang="en-US">
               <a:solidFill>
@@ -37897,7 +37887,7 @@
                 <a:latin typeface="Segoe UI"/>
               </a:rPr>
               <a:pPr/>
-              <a:t>6/23/16</a:t>
+              <a:t>7/1/16</a:t>
             </a:fld>
             <a:endParaRPr lang="en-US">
               <a:solidFill>
@@ -38209,7 +38199,7 @@
                 <a:latin typeface="Segoe UI"/>
               </a:rPr>
               <a:pPr/>
-              <a:t>6/23/16</a:t>
+              <a:t>7/1/16</a:t>
             </a:fld>
             <a:endParaRPr lang="en-US">
               <a:solidFill>
@@ -38498,7 +38488,7 @@
                 <a:latin typeface="Segoe UI"/>
               </a:rPr>
               <a:pPr/>
-              <a:t>6/23/16</a:t>
+              <a:t>7/1/16</a:t>
             </a:fld>
             <a:endParaRPr lang="en-US">
               <a:solidFill>
@@ -38703,7 +38693,7 @@
                 <a:latin typeface="Segoe UI"/>
               </a:rPr>
               <a:pPr/>
-              <a:t>6/23/16</a:t>
+              <a:t>7/1/16</a:t>
             </a:fld>
             <a:endParaRPr lang="en-US">
               <a:solidFill>
@@ -38918,7 +38908,7 @@
                 <a:latin typeface="Segoe UI"/>
               </a:rPr>
               <a:pPr/>
-              <a:t>6/23/16</a:t>
+              <a:t>7/1/16</a:t>
             </a:fld>
             <a:endParaRPr lang="en-US">
               <a:solidFill>
@@ -47672,7 +47662,7 @@
                 <a:latin typeface="Segoe UI"/>
               </a:rPr>
               <a:pPr/>
-              <a:t>6/23/16</a:t>
+              <a:t>7/1/16</a:t>
             </a:fld>
             <a:endParaRPr lang="en-US">
               <a:solidFill>
@@ -48252,7 +48242,7 @@
                 <a:latin typeface="Segoe UI"/>
               </a:rPr>
               <a:pPr/>
-              <a:t>6/23/16</a:t>
+              <a:t>7/1/16</a:t>
             </a:fld>
             <a:endParaRPr lang="en-US">
               <a:solidFill>
@@ -48827,7 +48817,7 @@
                 <a:latin typeface="Segoe UI"/>
               </a:rPr>
               <a:pPr/>
-              <a:t>6/23/16</a:t>
+              <a:t>7/1/16</a:t>
             </a:fld>
             <a:endParaRPr lang="en-US">
               <a:solidFill>
@@ -56745,7 +56735,7 @@
   <a:extraClrSchemeLst/>
   <a:extLst>
     <a:ext uri="{05A4C25C-085E-4340-85A3-A5531E510DB2}">
-      <thm15:themeFamily xmlns:thm15="http://schemas.microsoft.com/office/thememl/2012/main" xmlns="" name="Azure4ResearchTemplate" id="{DD1C6CE8-BDBA-0D4F-9930-3643ABC8EF0E}" vid="{B5C66FD7-0952-994B-96D6-AB3BB89097FE}"/>
+      <thm15:themeFamily xmlns="" xmlns:thm15="http://schemas.microsoft.com/office/thememl/2012/main" name="Azure4ResearchTemplate" id="{DD1C6CE8-BDBA-0D4F-9930-3643ABC8EF0E}" vid="{B5C66FD7-0952-994B-96D6-AB3BB89097FE}"/>
     </a:ext>
   </a:extLst>
 </a:theme>
@@ -57078,7 +57068,7 @@
   <a:extraClrSchemeLst/>
   <a:extLst>
     <a:ext uri="{05A4C25C-085E-4340-85A3-A5531E510DB2}">
-      <thm15:themeFamily xmlns:thm15="http://schemas.microsoft.com/office/thememl/2012/main" xmlns="" name="Azure4ResearchTemplate" id="{DD1C6CE8-BDBA-0D4F-9930-3643ABC8EF0E}" vid="{B5C66FD7-0952-994B-96D6-AB3BB89097FE}"/>
+      <thm15:themeFamily xmlns="" xmlns:thm15="http://schemas.microsoft.com/office/thememl/2012/main" name="Azure4ResearchTemplate" id="{DD1C6CE8-BDBA-0D4F-9930-3643ABC8EF0E}" vid="{B5C66FD7-0952-994B-96D6-AB3BB89097FE}"/>
     </a:ext>
   </a:extLst>
 </a:theme>
@@ -57347,7 +57337,7 @@
   <a:extraClrSchemeLst/>
   <a:extLst>
     <a:ext uri="{05A4C25C-085E-4340-85A3-A5531E510DB2}">
-      <thm15:themeFamily xmlns:thm15="http://schemas.microsoft.com/office/thememl/2012/main" xmlns="" name="Office Theme" id="{62F939B6-93AF-4DB8-9C6B-D6C7DFDC589F}" vid="{4A3C46E8-61CC-4603-A589-7422A47A8E4A}"/>
+      <thm15:themeFamily xmlns="" xmlns:thm15="http://schemas.microsoft.com/office/thememl/2012/main" name="Office Theme" id="{62F939B6-93AF-4DB8-9C6B-D6C7DFDC589F}" vid="{4A3C46E8-61CC-4603-A589-7422A47A8E4A}"/>
     </a:ext>
   </a:extLst>
 </a:theme>
@@ -57548,7 +57538,7 @@
   <a:extraClrSchemeLst/>
   <a:extLst>
     <a:ext uri="{05A4C25C-085E-4340-85A3-A5531E510DB2}">
-      <thm15:themeFamily xmlns:thm15="http://schemas.microsoft.com/office/thememl/2012/main" xmlns="" name="Office Theme" id="{62F939B6-93AF-4DB8-9C6B-D6C7DFDC589F}" vid="{4A3C46E8-61CC-4603-A589-7422A47A8E4A}"/>
+      <thm15:themeFamily xmlns="" xmlns:thm15="http://schemas.microsoft.com/office/thememl/2012/main" name="Office Theme" id="{62F939B6-93AF-4DB8-9C6B-D6C7DFDC589F}" vid="{4A3C46E8-61CC-4603-A589-7422A47A8E4A}"/>
     </a:ext>
   </a:extLst>
 </a:theme>
@@ -57817,7 +57807,7 @@
   <a:extraClrSchemeLst/>
   <a:extLst>
     <a:ext uri="{05A4C25C-085E-4340-85A3-A5531E510DB2}">
-      <thm15:themeFamily xmlns:thm15="http://schemas.microsoft.com/office/thememl/2012/main" xmlns="" name="Office Theme" id="{62F939B6-93AF-4DB8-9C6B-D6C7DFDC589F}" vid="{4A3C46E8-61CC-4603-A589-7422A47A8E4A}"/>
+      <thm15:themeFamily xmlns="" xmlns:thm15="http://schemas.microsoft.com/office/thememl/2012/main" name="Office Theme" id="{62F939B6-93AF-4DB8-9C6B-D6C7DFDC589F}" vid="{4A3C46E8-61CC-4603-A589-7422A47A8E4A}"/>
     </a:ext>
   </a:extLst>
 </a:theme>
@@ -58150,7 +58140,7 @@
   <a:extraClrSchemeLst/>
   <a:extLst>
     <a:ext uri="{05A4C25C-085E-4340-85A3-A5531E510DB2}">
-      <thm15:themeFamily xmlns:thm15="http://schemas.microsoft.com/office/thememl/2012/main" xmlns="" name="Azure4ResearchTemplate" id="{DD1C6CE8-BDBA-0D4F-9930-3643ABC8EF0E}" vid="{B5C66FD7-0952-994B-96D6-AB3BB89097FE}"/>
+      <thm15:themeFamily xmlns="" xmlns:thm15="http://schemas.microsoft.com/office/thememl/2012/main" name="Azure4ResearchTemplate" id="{DD1C6CE8-BDBA-0D4F-9930-3643ABC8EF0E}" vid="{B5C66FD7-0952-994B-96D6-AB3BB89097FE}"/>
     </a:ext>
   </a:extLst>
 </a:theme>
@@ -58411,7 +58401,7 @@
   <a:extraClrSchemeLst/>
   <a:extLst>
     <a:ext uri="{05A4C25C-085E-4340-85A3-A5531E510DB2}">
-      <thm15:themeFamily xmlns:thm15="http://schemas.microsoft.com/office/thememl/2012/main" xmlns="" name="Office Theme" id="{62F939B6-93AF-4DB8-9C6B-D6C7DFDC589F}" vid="{4A3C46E8-61CC-4603-A589-7422A47A8E4A}"/>
+      <thm15:themeFamily xmlns="" xmlns:thm15="http://schemas.microsoft.com/office/thememl/2012/main" name="Office Theme" id="{62F939B6-93AF-4DB8-9C6B-D6C7DFDC589F}" vid="{4A3C46E8-61CC-4603-A589-7422A47A8E4A}"/>
     </a:ext>
   </a:extLst>
 </a:theme>

--- a/Complimentary Course Content/Module2/Lessons/Module2_Lesson7 Deploying Node.js Web Applications to Azure.pptx
+++ b/Complimentary Course Content/Module2/Lessons/Module2_Lesson7 Deploying Node.js Web Applications to Azure.pptx
@@ -177,7 +177,7 @@
       </p14:sectionLst>
     </p:ext>
     <p:ext uri="{EFAFB233-063F-42B5-8137-9DF3F51BA10A}">
-      <p15:sldGuideLst xmlns="" xmlns:p15="http://schemas.microsoft.com/office/powerpoint/2012/main">
+      <p15:sldGuideLst xmlns:p15="http://schemas.microsoft.com/office/powerpoint/2012/main" xmlns="">
         <p15:guide id="1" orient="horz" pos="3952" userDrawn="1">
           <p15:clr>
             <a:srgbClr val="A4A3A4"/>
@@ -293,7 +293,7 @@
             <a:fld id="{2E5CA586-3557-4985-BCD4-35EF5AC8B4A4}" type="datetimeFigureOut">
               <a:rPr lang="en-US" smtClean="0"/>
               <a:pPr/>
-              <a:t>7/1/16</a:t>
+              <a:t>7/11/16</a:t>
             </a:fld>
             <a:endParaRPr lang="en-US"/>
           </a:p>
@@ -9048,7 +9048,7 @@
                 <a:latin typeface="Segoe UI"/>
               </a:rPr>
               <a:pPr/>
-              <a:t>7/1/16</a:t>
+              <a:t>7/11/16</a:t>
             </a:fld>
             <a:endParaRPr lang="en-US">
               <a:solidFill>
@@ -27415,7 +27415,7 @@
                 <a:latin typeface="Segoe UI"/>
               </a:rPr>
               <a:pPr/>
-              <a:t>7/1/16</a:t>
+              <a:t>7/11/16</a:t>
             </a:fld>
             <a:endParaRPr lang="en-US">
               <a:solidFill>
@@ -27620,7 +27620,7 @@
                 <a:latin typeface="Segoe UI"/>
               </a:rPr>
               <a:pPr/>
-              <a:t>7/1/16</a:t>
+              <a:t>7/11/16</a:t>
             </a:fld>
             <a:endParaRPr lang="en-US">
               <a:solidFill>
@@ -27918,7 +27918,7 @@
                 <a:latin typeface="Segoe UI"/>
               </a:rPr>
               <a:pPr/>
-              <a:t>7/1/16</a:t>
+              <a:t>7/11/16</a:t>
             </a:fld>
             <a:endParaRPr lang="en-US">
               <a:solidFill>
@@ -28262,7 +28262,7 @@
                 <a:latin typeface="Segoe UI"/>
               </a:rPr>
               <a:pPr/>
-              <a:t>7/1/16</a:t>
+              <a:t>7/11/16</a:t>
             </a:fld>
             <a:endParaRPr lang="en-US">
               <a:solidFill>
@@ -28637,7 +28637,7 @@
                 <a:latin typeface="Segoe UI"/>
               </a:rPr>
               <a:pPr/>
-              <a:t>7/1/16</a:t>
+              <a:t>7/11/16</a:t>
             </a:fld>
             <a:endParaRPr lang="en-US">
               <a:solidFill>
@@ -30144,7 +30144,7 @@
                 <a:latin typeface="Segoe UI"/>
               </a:rPr>
               <a:pPr/>
-              <a:t>7/1/16</a:t>
+              <a:t>7/11/16</a:t>
             </a:fld>
             <a:endParaRPr lang="en-US">
               <a:solidFill>
@@ -30545,7 +30545,7 @@
                 <a:latin typeface="Segoe UI"/>
               </a:rPr>
               <a:pPr/>
-              <a:t>7/1/16</a:t>
+              <a:t>7/11/16</a:t>
             </a:fld>
             <a:endParaRPr lang="en-US">
               <a:solidFill>
@@ -30699,7 +30699,7 @@
                 <a:latin typeface="Segoe UI"/>
               </a:rPr>
               <a:pPr/>
-              <a:t>7/1/16</a:t>
+              <a:t>7/11/16</a:t>
             </a:fld>
             <a:endParaRPr lang="en-US">
               <a:solidFill>
@@ -30831,7 +30831,7 @@
                 <a:latin typeface="Segoe UI"/>
               </a:rPr>
               <a:pPr/>
-              <a:t>7/1/16</a:t>
+              <a:t>7/11/16</a:t>
             </a:fld>
             <a:endParaRPr lang="en-US">
               <a:solidFill>
@@ -31143,7 +31143,7 @@
                 <a:latin typeface="Segoe UI"/>
               </a:rPr>
               <a:pPr/>
-              <a:t>7/1/16</a:t>
+              <a:t>7/11/16</a:t>
             </a:fld>
             <a:endParaRPr lang="en-US">
               <a:solidFill>
@@ -31432,7 +31432,7 @@
                 <a:latin typeface="Segoe UI"/>
               </a:rPr>
               <a:pPr/>
-              <a:t>7/1/16</a:t>
+              <a:t>7/11/16</a:t>
             </a:fld>
             <a:endParaRPr lang="en-US">
               <a:solidFill>
@@ -31637,7 +31637,7 @@
                 <a:latin typeface="Segoe UI"/>
               </a:rPr>
               <a:pPr/>
-              <a:t>7/1/16</a:t>
+              <a:t>7/11/16</a:t>
             </a:fld>
             <a:endParaRPr lang="en-US">
               <a:solidFill>
@@ -31852,7 +31852,7 @@
                 <a:latin typeface="Segoe UI"/>
               </a:rPr>
               <a:pPr/>
-              <a:t>7/1/16</a:t>
+              <a:t>7/11/16</a:t>
             </a:fld>
             <a:endParaRPr lang="en-US">
               <a:solidFill>
@@ -32097,7 +32097,7 @@
                 <a:latin typeface="Segoe UI"/>
               </a:rPr>
               <a:pPr/>
-              <a:t>7/1/16</a:t>
+              <a:t>7/11/16</a:t>
             </a:fld>
             <a:endParaRPr lang="en-US">
               <a:solidFill>
@@ -32404,7 +32404,7 @@
                 <a:latin typeface="Segoe UI"/>
               </a:rPr>
               <a:pPr/>
-              <a:t>7/1/16</a:t>
+              <a:t>7/11/16</a:t>
             </a:fld>
             <a:endParaRPr lang="en-US">
               <a:solidFill>
@@ -32704,7 +32704,7 @@
                 <a:latin typeface="Segoe UI"/>
               </a:rPr>
               <a:pPr/>
-              <a:t>7/1/16</a:t>
+              <a:t>7/11/16</a:t>
             </a:fld>
             <a:endParaRPr lang="en-US">
               <a:solidFill>
@@ -32978,7 +32978,7 @@
                 <a:latin typeface="Segoe UI"/>
               </a:rPr>
               <a:pPr/>
-              <a:t>7/1/16</a:t>
+              <a:t>7/11/16</a:t>
             </a:fld>
             <a:endParaRPr lang="en-US">
               <a:solidFill>
@@ -33379,7 +33379,7 @@
                 <a:latin typeface="Segoe UI"/>
               </a:rPr>
               <a:pPr/>
-              <a:t>7/1/16</a:t>
+              <a:t>7/11/16</a:t>
             </a:fld>
             <a:endParaRPr lang="en-US">
               <a:solidFill>
@@ -33533,7 +33533,7 @@
                 <a:latin typeface="Segoe UI"/>
               </a:rPr>
               <a:pPr/>
-              <a:t>7/1/16</a:t>
+              <a:t>7/11/16</a:t>
             </a:fld>
             <a:endParaRPr lang="en-US">
               <a:solidFill>
@@ -33665,7 +33665,7 @@
                 <a:latin typeface="Segoe UI"/>
               </a:rPr>
               <a:pPr/>
-              <a:t>7/1/16</a:t>
+              <a:t>7/11/16</a:t>
             </a:fld>
             <a:endParaRPr lang="en-US">
               <a:solidFill>
@@ -33977,7 +33977,7 @@
                 <a:latin typeface="Segoe UI"/>
               </a:rPr>
               <a:pPr/>
-              <a:t>7/1/16</a:t>
+              <a:t>7/11/16</a:t>
             </a:fld>
             <a:endParaRPr lang="en-US">
               <a:solidFill>
@@ -34266,7 +34266,7 @@
                 <a:latin typeface="Segoe UI"/>
               </a:rPr>
               <a:pPr/>
-              <a:t>7/1/16</a:t>
+              <a:t>7/11/16</a:t>
             </a:fld>
             <a:endParaRPr lang="en-US">
               <a:solidFill>
@@ -34471,7 +34471,7 @@
                 <a:latin typeface="Segoe UI"/>
               </a:rPr>
               <a:pPr/>
-              <a:t>7/1/16</a:t>
+              <a:t>7/11/16</a:t>
             </a:fld>
             <a:endParaRPr lang="en-US">
               <a:solidFill>
@@ -34686,7 +34686,7 @@
                 <a:latin typeface="Segoe UI"/>
               </a:rPr>
               <a:pPr/>
-              <a:t>7/1/16</a:t>
+              <a:t>7/11/16</a:t>
             </a:fld>
             <a:endParaRPr lang="en-US">
               <a:solidFill>
@@ -35001,7 +35001,7 @@
                 <a:latin typeface="Segoe UI"/>
               </a:rPr>
               <a:pPr/>
-              <a:t>7/1/16</a:t>
+              <a:t>7/11/16</a:t>
             </a:fld>
             <a:endParaRPr lang="en-US">
               <a:solidFill>
@@ -35206,7 +35206,7 @@
                 <a:latin typeface="Segoe UI"/>
               </a:rPr>
               <a:pPr/>
-              <a:t>7/1/16</a:t>
+              <a:t>7/11/16</a:t>
             </a:fld>
             <a:endParaRPr lang="en-US">
               <a:solidFill>
@@ -35504,7 +35504,7 @@
                 <a:latin typeface="Segoe UI"/>
               </a:rPr>
               <a:pPr/>
-              <a:t>7/1/16</a:t>
+              <a:t>7/11/16</a:t>
             </a:fld>
             <a:endParaRPr lang="en-US">
               <a:solidFill>
@@ -35848,7 +35848,7 @@
                 <a:latin typeface="Segoe UI"/>
               </a:rPr>
               <a:pPr/>
-              <a:t>7/1/16</a:t>
+              <a:t>7/11/16</a:t>
             </a:fld>
             <a:endParaRPr lang="en-US">
               <a:solidFill>
@@ -36223,7 +36223,7 @@
                 <a:latin typeface="Segoe UI"/>
               </a:rPr>
               <a:pPr/>
-              <a:t>7/1/16</a:t>
+              <a:t>7/11/16</a:t>
             </a:fld>
             <a:endParaRPr lang="en-US">
               <a:solidFill>
@@ -37167,7 +37167,7 @@
                 <a:latin typeface="Segoe UI"/>
               </a:rPr>
               <a:pPr/>
-              <a:t>7/1/16</a:t>
+              <a:t>7/11/16</a:t>
             </a:fld>
             <a:endParaRPr lang="en-US">
               <a:solidFill>
@@ -37568,7 +37568,7 @@
                 <a:latin typeface="Segoe UI"/>
               </a:rPr>
               <a:pPr/>
-              <a:t>7/1/16</a:t>
+              <a:t>7/11/16</a:t>
             </a:fld>
             <a:endParaRPr lang="en-US">
               <a:solidFill>
@@ -37755,7 +37755,7 @@
                 <a:latin typeface="Segoe UI"/>
               </a:rPr>
               <a:pPr/>
-              <a:t>7/1/16</a:t>
+              <a:t>7/11/16</a:t>
             </a:fld>
             <a:endParaRPr lang="en-US">
               <a:solidFill>
@@ -37887,7 +37887,7 @@
                 <a:latin typeface="Segoe UI"/>
               </a:rPr>
               <a:pPr/>
-              <a:t>7/1/16</a:t>
+              <a:t>7/11/16</a:t>
             </a:fld>
             <a:endParaRPr lang="en-US">
               <a:solidFill>
@@ -38199,7 +38199,7 @@
                 <a:latin typeface="Segoe UI"/>
               </a:rPr>
               <a:pPr/>
-              <a:t>7/1/16</a:t>
+              <a:t>7/11/16</a:t>
             </a:fld>
             <a:endParaRPr lang="en-US">
               <a:solidFill>
@@ -38488,7 +38488,7 @@
                 <a:latin typeface="Segoe UI"/>
               </a:rPr>
               <a:pPr/>
-              <a:t>7/1/16</a:t>
+              <a:t>7/11/16</a:t>
             </a:fld>
             <a:endParaRPr lang="en-US">
               <a:solidFill>
@@ -38693,7 +38693,7 @@
                 <a:latin typeface="Segoe UI"/>
               </a:rPr>
               <a:pPr/>
-              <a:t>7/1/16</a:t>
+              <a:t>7/11/16</a:t>
             </a:fld>
             <a:endParaRPr lang="en-US">
               <a:solidFill>
@@ -38908,7 +38908,7 @@
                 <a:latin typeface="Segoe UI"/>
               </a:rPr>
               <a:pPr/>
-              <a:t>7/1/16</a:t>
+              <a:t>7/11/16</a:t>
             </a:fld>
             <a:endParaRPr lang="en-US">
               <a:solidFill>
@@ -47662,7 +47662,7 @@
                 <a:latin typeface="Segoe UI"/>
               </a:rPr>
               <a:pPr/>
-              <a:t>7/1/16</a:t>
+              <a:t>7/11/16</a:t>
             </a:fld>
             <a:endParaRPr lang="en-US">
               <a:solidFill>
@@ -48242,7 +48242,7 @@
                 <a:latin typeface="Segoe UI"/>
               </a:rPr>
               <a:pPr/>
-              <a:t>7/1/16</a:t>
+              <a:t>7/11/16</a:t>
             </a:fld>
             <a:endParaRPr lang="en-US">
               <a:solidFill>
@@ -48817,7 +48817,7 @@
                 <a:latin typeface="Segoe UI"/>
               </a:rPr>
               <a:pPr/>
-              <a:t>7/1/16</a:t>
+              <a:t>7/11/16</a:t>
             </a:fld>
             <a:endParaRPr lang="en-US">
               <a:solidFill>
@@ -54183,36 +54183,170 @@
           </a:p>
         </p:txBody>
       </p:sp>
-      <p:pic>
-        <p:nvPicPr>
-          <p:cNvPr id="3" name="Picture 2" descr="Screenshot 2016-06-18 11.25.18.png"/>
-          <p:cNvPicPr>
-            <a:picLocks noChangeAspect="1"/>
-          </p:cNvPicPr>
+      <p:grpSp>
+        <p:nvGrpSpPr>
+          <p:cNvPr id="12" name="Group 11"/>
+          <p:cNvGrpSpPr/>
           <p:nvPr/>
-        </p:nvPicPr>
-        <p:blipFill>
-          <a:blip r:embed="rId3">
-            <a:extLst>
-              <a:ext uri="{28A0092B-C50C-407E-A947-70E740481C1C}">
-                <a14:useLocalDpi xmlns:a14="http://schemas.microsoft.com/office/drawing/2010/main" val="0"/>
-              </a:ext>
-            </a:extLst>
-          </a:blip>
-          <a:stretch>
-            <a:fillRect/>
-          </a:stretch>
-        </p:blipFill>
-        <p:spPr>
+        </p:nvGrpSpPr>
+        <p:grpSpPr>
           <a:xfrm>
-            <a:off x="1511300" y="2584081"/>
-            <a:ext cx="9169400" cy="5003800"/>
+            <a:off x="-207492" y="2862713"/>
+            <a:ext cx="12135267" cy="3759429"/>
+            <a:chOff x="-207492" y="2862713"/>
+            <a:chExt cx="12135267" cy="3759429"/>
           </a:xfrm>
-          <a:prstGeom prst="rect">
-            <a:avLst/>
-          </a:prstGeom>
-        </p:spPr>
-      </p:pic>
+        </p:grpSpPr>
+        <p:grpSp>
+          <p:nvGrpSpPr>
+            <p:cNvPr id="5" name="Group 4"/>
+            <p:cNvGrpSpPr/>
+            <p:nvPr/>
+          </p:nvGrpSpPr>
+          <p:grpSpPr>
+            <a:xfrm>
+              <a:off x="-207492" y="2862713"/>
+              <a:ext cx="6889105" cy="3759429"/>
+              <a:chOff x="-251409" y="2862713"/>
+              <a:chExt cx="6889105" cy="3759429"/>
+            </a:xfrm>
+          </p:grpSpPr>
+          <p:pic>
+            <p:nvPicPr>
+              <p:cNvPr id="3" name="Picture 2" descr="Screenshot 2016-06-18 11.25.18.png"/>
+              <p:cNvPicPr>
+                <a:picLocks noChangeAspect="1"/>
+              </p:cNvPicPr>
+              <p:nvPr/>
+            </p:nvPicPr>
+            <p:blipFill>
+              <a:blip r:embed="rId3">
+                <a:extLst>
+                  <a:ext uri="{28A0092B-C50C-407E-A947-70E740481C1C}">
+                    <a14:useLocalDpi xmlns:a14="http://schemas.microsoft.com/office/drawing/2010/main" val="0"/>
+                  </a:ext>
+                </a:extLst>
+              </a:blip>
+              <a:stretch>
+                <a:fillRect/>
+              </a:stretch>
+            </p:blipFill>
+            <p:spPr>
+              <a:xfrm>
+                <a:off x="-251409" y="2862713"/>
+                <a:ext cx="6889105" cy="3759429"/>
+              </a:xfrm>
+              <a:prstGeom prst="rect">
+                <a:avLst/>
+              </a:prstGeom>
+            </p:spPr>
+          </p:pic>
+          <p:sp>
+            <p:nvSpPr>
+              <p:cNvPr id="10" name="TextBox 9"/>
+              <p:cNvSpPr txBox="1"/>
+              <p:nvPr/>
+            </p:nvSpPr>
+            <p:spPr>
+              <a:xfrm>
+                <a:off x="2286078" y="6210465"/>
+                <a:ext cx="1814131" cy="369332"/>
+              </a:xfrm>
+              <a:prstGeom prst="rect">
+                <a:avLst/>
+              </a:prstGeom>
+              <a:noFill/>
+            </p:spPr>
+            <p:txBody>
+              <a:bodyPr wrap="none" rtlCol="0">
+                <a:spAutoFit/>
+              </a:bodyPr>
+              <a:lstStyle/>
+              <a:p>
+                <a:r>
+                  <a:rPr lang="en-US" dirty="0" smtClean="0"/>
+                  <a:t>Google Chrome</a:t>
+                </a:r>
+                <a:endParaRPr lang="en-US" dirty="0"/>
+              </a:p>
+            </p:txBody>
+          </p:sp>
+        </p:grpSp>
+        <p:grpSp>
+          <p:nvGrpSpPr>
+            <p:cNvPr id="6" name="Group 5"/>
+            <p:cNvGrpSpPr/>
+            <p:nvPr/>
+          </p:nvGrpSpPr>
+          <p:grpSpPr>
+            <a:xfrm>
+              <a:off x="6709980" y="3164292"/>
+              <a:ext cx="5217795" cy="3288504"/>
+              <a:chOff x="6571389" y="3291293"/>
+              <a:chExt cx="5217795" cy="3288504"/>
+            </a:xfrm>
+          </p:grpSpPr>
+          <p:pic>
+            <p:nvPicPr>
+              <p:cNvPr id="4" name="Picture 3" descr="7_27.PNG"/>
+              <p:cNvPicPr>
+                <a:picLocks noChangeAspect="1"/>
+              </p:cNvPicPr>
+              <p:nvPr/>
+            </p:nvPicPr>
+            <p:blipFill>
+              <a:blip r:embed="rId4">
+                <a:extLst>
+                  <a:ext uri="{28A0092B-C50C-407E-A947-70E740481C1C}">
+                    <a14:useLocalDpi xmlns:a14="http://schemas.microsoft.com/office/drawing/2010/main" val="0"/>
+                  </a:ext>
+                </a:extLst>
+              </a:blip>
+              <a:stretch>
+                <a:fillRect/>
+              </a:stretch>
+            </p:blipFill>
+            <p:spPr>
+              <a:xfrm>
+                <a:off x="6571389" y="3291293"/>
+                <a:ext cx="5217795" cy="2902268"/>
+              </a:xfrm>
+              <a:prstGeom prst="rect">
+                <a:avLst/>
+              </a:prstGeom>
+            </p:spPr>
+          </p:pic>
+          <p:sp>
+            <p:nvSpPr>
+              <p:cNvPr id="11" name="TextBox 10"/>
+              <p:cNvSpPr txBox="1"/>
+              <p:nvPr/>
+            </p:nvSpPr>
+            <p:spPr>
+              <a:xfrm>
+                <a:off x="8318193" y="6210465"/>
+                <a:ext cx="1724187" cy="369332"/>
+              </a:xfrm>
+              <a:prstGeom prst="rect">
+                <a:avLst/>
+              </a:prstGeom>
+              <a:noFill/>
+            </p:spPr>
+            <p:txBody>
+              <a:bodyPr wrap="none" rtlCol="0">
+                <a:spAutoFit/>
+              </a:bodyPr>
+              <a:lstStyle/>
+              <a:p>
+                <a:r>
+                  <a:rPr lang="en-US" dirty="0" smtClean="0"/>
+                  <a:t>Microsoft Edge</a:t>
+                </a:r>
+              </a:p>
+            </p:txBody>
+          </p:sp>
+        </p:grpSp>
+      </p:grpSp>
     </p:spTree>
     <p:extLst>
       <p:ext uri="{BB962C8B-B14F-4D97-AF65-F5344CB8AC3E}">
@@ -56735,7 +56869,7 @@
   <a:extraClrSchemeLst/>
   <a:extLst>
     <a:ext uri="{05A4C25C-085E-4340-85A3-A5531E510DB2}">
-      <thm15:themeFamily xmlns="" xmlns:thm15="http://schemas.microsoft.com/office/thememl/2012/main" name="Azure4ResearchTemplate" id="{DD1C6CE8-BDBA-0D4F-9930-3643ABC8EF0E}" vid="{B5C66FD7-0952-994B-96D6-AB3BB89097FE}"/>
+      <thm15:themeFamily xmlns:thm15="http://schemas.microsoft.com/office/thememl/2012/main" xmlns="" name="Azure4ResearchTemplate" id="{DD1C6CE8-BDBA-0D4F-9930-3643ABC8EF0E}" vid="{B5C66FD7-0952-994B-96D6-AB3BB89097FE}"/>
     </a:ext>
   </a:extLst>
 </a:theme>
@@ -57068,7 +57202,7 @@
   <a:extraClrSchemeLst/>
   <a:extLst>
     <a:ext uri="{05A4C25C-085E-4340-85A3-A5531E510DB2}">
-      <thm15:themeFamily xmlns="" xmlns:thm15="http://schemas.microsoft.com/office/thememl/2012/main" name="Azure4ResearchTemplate" id="{DD1C6CE8-BDBA-0D4F-9930-3643ABC8EF0E}" vid="{B5C66FD7-0952-994B-96D6-AB3BB89097FE}"/>
+      <thm15:themeFamily xmlns:thm15="http://schemas.microsoft.com/office/thememl/2012/main" xmlns="" name="Azure4ResearchTemplate" id="{DD1C6CE8-BDBA-0D4F-9930-3643ABC8EF0E}" vid="{B5C66FD7-0952-994B-96D6-AB3BB89097FE}"/>
     </a:ext>
   </a:extLst>
 </a:theme>
@@ -57337,7 +57471,7 @@
   <a:extraClrSchemeLst/>
   <a:extLst>
     <a:ext uri="{05A4C25C-085E-4340-85A3-A5531E510DB2}">
-      <thm15:themeFamily xmlns="" xmlns:thm15="http://schemas.microsoft.com/office/thememl/2012/main" name="Office Theme" id="{62F939B6-93AF-4DB8-9C6B-D6C7DFDC589F}" vid="{4A3C46E8-61CC-4603-A589-7422A47A8E4A}"/>
+      <thm15:themeFamily xmlns:thm15="http://schemas.microsoft.com/office/thememl/2012/main" xmlns="" name="Office Theme" id="{62F939B6-93AF-4DB8-9C6B-D6C7DFDC589F}" vid="{4A3C46E8-61CC-4603-A589-7422A47A8E4A}"/>
     </a:ext>
   </a:extLst>
 </a:theme>
@@ -57538,7 +57672,7 @@
   <a:extraClrSchemeLst/>
   <a:extLst>
     <a:ext uri="{05A4C25C-085E-4340-85A3-A5531E510DB2}">
-      <thm15:themeFamily xmlns="" xmlns:thm15="http://schemas.microsoft.com/office/thememl/2012/main" name="Office Theme" id="{62F939B6-93AF-4DB8-9C6B-D6C7DFDC589F}" vid="{4A3C46E8-61CC-4603-A589-7422A47A8E4A}"/>
+      <thm15:themeFamily xmlns:thm15="http://schemas.microsoft.com/office/thememl/2012/main" xmlns="" name="Office Theme" id="{62F939B6-93AF-4DB8-9C6B-D6C7DFDC589F}" vid="{4A3C46E8-61CC-4603-A589-7422A47A8E4A}"/>
     </a:ext>
   </a:extLst>
 </a:theme>
@@ -57807,7 +57941,7 @@
   <a:extraClrSchemeLst/>
   <a:extLst>
     <a:ext uri="{05A4C25C-085E-4340-85A3-A5531E510DB2}">
-      <thm15:themeFamily xmlns="" xmlns:thm15="http://schemas.microsoft.com/office/thememl/2012/main" name="Office Theme" id="{62F939B6-93AF-4DB8-9C6B-D6C7DFDC589F}" vid="{4A3C46E8-61CC-4603-A589-7422A47A8E4A}"/>
+      <thm15:themeFamily xmlns:thm15="http://schemas.microsoft.com/office/thememl/2012/main" xmlns="" name="Office Theme" id="{62F939B6-93AF-4DB8-9C6B-D6C7DFDC589F}" vid="{4A3C46E8-61CC-4603-A589-7422A47A8E4A}"/>
     </a:ext>
   </a:extLst>
 </a:theme>
@@ -58140,7 +58274,7 @@
   <a:extraClrSchemeLst/>
   <a:extLst>
     <a:ext uri="{05A4C25C-085E-4340-85A3-A5531E510DB2}">
-      <thm15:themeFamily xmlns="" xmlns:thm15="http://schemas.microsoft.com/office/thememl/2012/main" name="Azure4ResearchTemplate" id="{DD1C6CE8-BDBA-0D4F-9930-3643ABC8EF0E}" vid="{B5C66FD7-0952-994B-96D6-AB3BB89097FE}"/>
+      <thm15:themeFamily xmlns:thm15="http://schemas.microsoft.com/office/thememl/2012/main" xmlns="" name="Azure4ResearchTemplate" id="{DD1C6CE8-BDBA-0D4F-9930-3643ABC8EF0E}" vid="{B5C66FD7-0952-994B-96D6-AB3BB89097FE}"/>
     </a:ext>
   </a:extLst>
 </a:theme>
@@ -58401,7 +58535,7 @@
   <a:extraClrSchemeLst/>
   <a:extLst>
     <a:ext uri="{05A4C25C-085E-4340-85A3-A5531E510DB2}">
-      <thm15:themeFamily xmlns="" xmlns:thm15="http://schemas.microsoft.com/office/thememl/2012/main" name="Office Theme" id="{62F939B6-93AF-4DB8-9C6B-D6C7DFDC589F}" vid="{4A3C46E8-61CC-4603-A589-7422A47A8E4A}"/>
+      <thm15:themeFamily xmlns:thm15="http://schemas.microsoft.com/office/thememl/2012/main" xmlns="" name="Office Theme" id="{62F939B6-93AF-4DB8-9C6B-D6C7DFDC589F}" vid="{4A3C46E8-61CC-4603-A589-7422A47A8E4A}"/>
     </a:ext>
   </a:extLst>
 </a:theme>
